--- a/exercise5/DevSecOpsPipeline.pptx
+++ b/exercise5/DevSecOpsPipeline.pptx
@@ -5741,7 +5741,15 @@
             </a:pPr>
             <a:r>
               <a:rPr lang="en" sz="1000" dirty="0"/>
-              <a:t>Static Code Analysis</a:t>
+              <a:t>Static Code Analysis(language specific, </a:t>
+            </a:r>
+            <a:r>
+              <a:rPr lang="en" sz="1000" dirty="0" err="1"/>
+              <a:t>e.g.pylint</a:t>
+            </a:r>
+            <a:r>
+              <a:rPr lang="en" sz="1000" dirty="0"/>
+              <a:t>)</a:t>
             </a:r>
             <a:endParaRPr sz="1000" dirty="0"/>
           </a:p>
@@ -6053,6 +6061,21 @@
               <a:rPr lang="en" sz="1000" dirty="0"/>
               <a:t>Vulnerability Scans</a:t>
             </a:r>
+            <a:br>
+              <a:rPr lang="en" sz="1000" dirty="0"/>
+            </a:br>
+            <a:r>
+              <a:rPr lang="en" sz="1000" dirty="0"/>
+              <a:t>(</a:t>
+            </a:r>
+            <a:r>
+              <a:rPr lang="en" sz="1000"/>
+              <a:t>AWS Config</a:t>
+            </a:r>
+            <a:r>
+              <a:rPr lang="en" sz="1000" dirty="0"/>
+              <a:t>)</a:t>
+            </a:r>
             <a:endParaRPr sz="1000" dirty="0"/>
           </a:p>
         </p:txBody>
@@ -6140,6 +6163,13 @@
             <a:r>
               <a:rPr lang="en" sz="1000" dirty="0"/>
               <a:t>AMI and container</a:t>
+            </a:r>
+            <a:br>
+              <a:rPr lang="en" sz="1000" dirty="0"/>
+            </a:br>
+            <a:r>
+              <a:rPr lang="en" sz="1000" dirty="0"/>
+              <a:t>(AWS Inspector)</a:t>
             </a:r>
             <a:endParaRPr sz="1000" dirty="0"/>
           </a:p>
@@ -6227,7 +6257,7 @@
             </a:pPr>
             <a:r>
               <a:rPr lang="en" sz="1000" dirty="0"/>
-              <a:t>Post Deployment Compliance Scanning</a:t>
+              <a:t>Post Deployment Compliance Scanning (AWS Security Hub)</a:t>
             </a:r>
             <a:endParaRPr sz="1000" dirty="0"/>
           </a:p>
@@ -6314,7 +6344,15 @@
             </a:pPr>
             <a:r>
               <a:rPr lang="en" sz="1000" dirty="0"/>
-              <a:t>Infrastructure as Code Scanning</a:t>
+              <a:t>Infrastructure as Code Scanning (</a:t>
+            </a:r>
+            <a:r>
+              <a:rPr lang="en" sz="1000" dirty="0" err="1"/>
+              <a:t>tflint</a:t>
+            </a:r>
+            <a:r>
+              <a:rPr lang="en" sz="1000" dirty="0"/>
+              <a:t>)</a:t>
             </a:r>
             <a:endParaRPr sz="1000" dirty="0"/>
           </a:p>
